--- a/Docs/Results_Aug13.pptx
+++ b/Docs/Results_Aug13.pptx
@@ -106,6 +106,11 @@
       </a:defRPr>
     </a:lvl9pPr>
   </p:defaultTextStyle>
+  <p:extLst>
+    <p:ext uri="{EFAFB233-063F-42B5-8137-9DF3F51BA10A}">
+      <p15:sldGuideLst xmlns:p15="http://schemas.microsoft.com/office/powerpoint/2012/main"/>
+    </p:ext>
+  </p:extLst>
 </p:presentation>
 </file>
 
@@ -240,7 +245,7 @@
           <a:p>
             <a:fld id="{B9F2D433-AB08-4B9B-9CAA-6876BD863D19}" type="datetimeFigureOut">
               <a:rPr lang="en-US" smtClean="0"/>
-              <a:t>8/13/2015</a:t>
+              <a:t>8/24/2015</a:t>
             </a:fld>
             <a:endParaRPr lang="en-US"/>
           </a:p>
@@ -410,7 +415,7 @@
           <a:p>
             <a:fld id="{B9F2D433-AB08-4B9B-9CAA-6876BD863D19}" type="datetimeFigureOut">
               <a:rPr lang="en-US" smtClean="0"/>
-              <a:t>8/13/2015</a:t>
+              <a:t>8/24/2015</a:t>
             </a:fld>
             <a:endParaRPr lang="en-US"/>
           </a:p>
@@ -590,7 +595,7 @@
           <a:p>
             <a:fld id="{B9F2D433-AB08-4B9B-9CAA-6876BD863D19}" type="datetimeFigureOut">
               <a:rPr lang="en-US" smtClean="0"/>
-              <a:t>8/13/2015</a:t>
+              <a:t>8/24/2015</a:t>
             </a:fld>
             <a:endParaRPr lang="en-US"/>
           </a:p>
@@ -760,7 +765,7 @@
           <a:p>
             <a:fld id="{B9F2D433-AB08-4B9B-9CAA-6876BD863D19}" type="datetimeFigureOut">
               <a:rPr lang="en-US" smtClean="0"/>
-              <a:t>8/13/2015</a:t>
+              <a:t>8/24/2015</a:t>
             </a:fld>
             <a:endParaRPr lang="en-US"/>
           </a:p>
@@ -1006,7 +1011,7 @@
           <a:p>
             <a:fld id="{B9F2D433-AB08-4B9B-9CAA-6876BD863D19}" type="datetimeFigureOut">
               <a:rPr lang="en-US" smtClean="0"/>
-              <a:t>8/13/2015</a:t>
+              <a:t>8/24/2015</a:t>
             </a:fld>
             <a:endParaRPr lang="en-US"/>
           </a:p>
@@ -1238,7 +1243,7 @@
           <a:p>
             <a:fld id="{B9F2D433-AB08-4B9B-9CAA-6876BD863D19}" type="datetimeFigureOut">
               <a:rPr lang="en-US" smtClean="0"/>
-              <a:t>8/13/2015</a:t>
+              <a:t>8/24/2015</a:t>
             </a:fld>
             <a:endParaRPr lang="en-US"/>
           </a:p>
@@ -1605,7 +1610,7 @@
           <a:p>
             <a:fld id="{B9F2D433-AB08-4B9B-9CAA-6876BD863D19}" type="datetimeFigureOut">
               <a:rPr lang="en-US" smtClean="0"/>
-              <a:t>8/13/2015</a:t>
+              <a:t>8/24/2015</a:t>
             </a:fld>
             <a:endParaRPr lang="en-US"/>
           </a:p>
@@ -1723,7 +1728,7 @@
           <a:p>
             <a:fld id="{B9F2D433-AB08-4B9B-9CAA-6876BD863D19}" type="datetimeFigureOut">
               <a:rPr lang="en-US" smtClean="0"/>
-              <a:t>8/13/2015</a:t>
+              <a:t>8/24/2015</a:t>
             </a:fld>
             <a:endParaRPr lang="en-US"/>
           </a:p>
@@ -1818,7 +1823,7 @@
           <a:p>
             <a:fld id="{B9F2D433-AB08-4B9B-9CAA-6876BD863D19}" type="datetimeFigureOut">
               <a:rPr lang="en-US" smtClean="0"/>
-              <a:t>8/13/2015</a:t>
+              <a:t>8/24/2015</a:t>
             </a:fld>
             <a:endParaRPr lang="en-US"/>
           </a:p>
@@ -2095,7 +2100,7 @@
           <a:p>
             <a:fld id="{B9F2D433-AB08-4B9B-9CAA-6876BD863D19}" type="datetimeFigureOut">
               <a:rPr lang="en-US" smtClean="0"/>
-              <a:t>8/13/2015</a:t>
+              <a:t>8/24/2015</a:t>
             </a:fld>
             <a:endParaRPr lang="en-US"/>
           </a:p>
@@ -2348,7 +2353,7 @@
           <a:p>
             <a:fld id="{B9F2D433-AB08-4B9B-9CAA-6876BD863D19}" type="datetimeFigureOut">
               <a:rPr lang="en-US" smtClean="0"/>
-              <a:t>8/13/2015</a:t>
+              <a:t>8/24/2015</a:t>
             </a:fld>
             <a:endParaRPr lang="en-US"/>
           </a:p>
@@ -2561,7 +2566,7 @@
           <a:p>
             <a:fld id="{B9F2D433-AB08-4B9B-9CAA-6876BD863D19}" type="datetimeFigureOut">
               <a:rPr lang="en-US" smtClean="0"/>
-              <a:t>8/13/2015</a:t>
+              <a:t>8/24/2015</a:t>
             </a:fld>
             <a:endParaRPr lang="en-US"/>
           </a:p>
@@ -3523,7 +3528,7 @@
             <p:ph idx="1"/>
           </p:nvPr>
         </p:nvPicPr>
-        <p:blipFill>
+        <p:blipFill rotWithShape="1">
           <a:blip r:embed="rId2" cstate="print">
             <a:extLst>
               <a:ext uri="{28A0092B-C50C-407E-A947-70E740481C1C}">
@@ -3531,14 +3536,13 @@
               </a:ext>
             </a:extLst>
           </a:blip>
-          <a:stretch>
-            <a:fillRect/>
-          </a:stretch>
+          <a:srcRect l="2403"/>
+          <a:stretch/>
         </p:blipFill>
         <p:spPr>
           <a:xfrm>
-            <a:off x="1457921" y="1456944"/>
-            <a:ext cx="4864133" cy="4572000"/>
+            <a:off x="12700" y="1456944"/>
+            <a:ext cx="4747254" cy="4572000"/>
           </a:xfrm>
         </p:spPr>
       </p:pic>
@@ -3564,7 +3568,7 @@
         </p:blipFill>
         <p:spPr>
           <a:xfrm>
-            <a:off x="6706105" y="1573816"/>
+            <a:off x="7328405" y="1573816"/>
             <a:ext cx="4864134" cy="4572000"/>
           </a:xfrm>
           <a:prstGeom prst="rect">
@@ -3580,7 +3584,7 @@
         </p:nvSpPr>
         <p:spPr>
           <a:xfrm>
-            <a:off x="2908117" y="5552138"/>
+            <a:off x="1346017" y="5552138"/>
             <a:ext cx="1938351" cy="369332"/>
           </a:xfrm>
           <a:prstGeom prst="rect">
@@ -3620,7 +3624,7 @@
         </p:nvSpPr>
         <p:spPr>
           <a:xfrm>
-            <a:off x="8469932" y="5552138"/>
+            <a:off x="8558832" y="5552138"/>
             <a:ext cx="2386038" cy="369332"/>
           </a:xfrm>
           <a:prstGeom prst="rect">
@@ -3645,6 +3649,348 @@
               <a:t> Wetland</a:t>
             </a:r>
             <a:endParaRPr lang="en-US" dirty="0"/>
+          </a:p>
+        </p:txBody>
+      </p:sp>
+      <p:sp>
+        <p:nvSpPr>
+          <p:cNvPr id="8" name="TextBox 7"/>
+          <p:cNvSpPr txBox="1"/>
+          <p:nvPr/>
+        </p:nvSpPr>
+        <p:spPr>
+          <a:xfrm rot="19373313">
+            <a:off x="6137330" y="3806517"/>
+            <a:ext cx="1094549" cy="550247"/>
+          </a:xfrm>
+          <a:prstGeom prst="rightArrow">
+            <a:avLst/>
+          </a:prstGeom>
+        </p:spPr>
+        <p:style>
+          <a:lnRef idx="3">
+            <a:schemeClr val="lt1"/>
+          </a:lnRef>
+          <a:fillRef idx="1">
+            <a:schemeClr val="accent5"/>
+          </a:fillRef>
+          <a:effectRef idx="1">
+            <a:schemeClr val="accent5"/>
+          </a:effectRef>
+          <a:fontRef idx="minor">
+            <a:schemeClr val="lt1"/>
+          </a:fontRef>
+        </p:style>
+        <p:txBody>
+          <a:bodyPr wrap="square" rtlCol="0">
+            <a:spAutoFit/>
+          </a:bodyPr>
+          <a:lstStyle/>
+          <a:p>
+            <a:pPr algn="ctr"/>
+            <a:r>
+              <a:rPr lang="en-US" sz="1200" dirty="0" smtClean="0"/>
+              <a:t>High RF</a:t>
+            </a:r>
+            <a:endParaRPr lang="en-US" sz="1200" dirty="0"/>
+          </a:p>
+        </p:txBody>
+      </p:sp>
+      <p:sp>
+        <p:nvSpPr>
+          <p:cNvPr id="11" name="TextBox 10"/>
+          <p:cNvSpPr txBox="1"/>
+          <p:nvPr/>
+        </p:nvSpPr>
+        <p:spPr>
+          <a:xfrm>
+            <a:off x="4647362" y="4149009"/>
+            <a:ext cx="1403982" cy="550247"/>
+          </a:xfrm>
+          <a:prstGeom prst="leftArrow">
+            <a:avLst/>
+          </a:prstGeom>
+          <a:solidFill>
+            <a:srgbClr val="FF0000"/>
+          </a:solidFill>
+        </p:spPr>
+        <p:style>
+          <a:lnRef idx="1">
+            <a:schemeClr val="accent2"/>
+          </a:lnRef>
+          <a:fillRef idx="3">
+            <a:schemeClr val="accent2"/>
+          </a:fillRef>
+          <a:effectRef idx="2">
+            <a:schemeClr val="accent2"/>
+          </a:effectRef>
+          <a:fontRef idx="minor">
+            <a:schemeClr val="lt1"/>
+          </a:fontRef>
+        </p:style>
+        <p:txBody>
+          <a:bodyPr wrap="square" rtlCol="0">
+            <a:spAutoFit/>
+          </a:bodyPr>
+          <a:lstStyle/>
+          <a:p>
+            <a:pPr algn="ctr"/>
+            <a:r>
+              <a:rPr lang="en-US" sz="1200" dirty="0" smtClean="0"/>
+              <a:t>High Maxent</a:t>
+            </a:r>
+            <a:endParaRPr lang="en-US" sz="1200" dirty="0"/>
+          </a:p>
+        </p:txBody>
+      </p:sp>
+      <p:cxnSp>
+        <p:nvCxnSpPr>
+          <p:cNvPr id="10" name="Straight Arrow Connector 9"/>
+          <p:cNvCxnSpPr/>
+          <p:nvPr/>
+        </p:nvCxnSpPr>
+        <p:spPr>
+          <a:xfrm flipH="1" flipV="1">
+            <a:off x="6133028" y="4216582"/>
+            <a:ext cx="221349" cy="840280"/>
+          </a:xfrm>
+          <a:prstGeom prst="straightConnector1">
+            <a:avLst/>
+          </a:prstGeom>
+          <a:ln>
+            <a:solidFill>
+              <a:schemeClr val="bg2">
+                <a:lumMod val="75000"/>
+              </a:schemeClr>
+            </a:solidFill>
+            <a:tailEnd type="triangle"/>
+          </a:ln>
+        </p:spPr>
+        <p:style>
+          <a:lnRef idx="3">
+            <a:schemeClr val="accent2"/>
+          </a:lnRef>
+          <a:fillRef idx="0">
+            <a:schemeClr val="accent2"/>
+          </a:fillRef>
+          <a:effectRef idx="2">
+            <a:schemeClr val="accent2"/>
+          </a:effectRef>
+          <a:fontRef idx="minor">
+            <a:schemeClr val="tx1"/>
+          </a:fontRef>
+        </p:style>
+      </p:cxnSp>
+      <p:sp>
+        <p:nvSpPr>
+          <p:cNvPr id="13" name="TextBox 12"/>
+          <p:cNvSpPr txBox="1"/>
+          <p:nvPr/>
+        </p:nvSpPr>
+        <p:spPr>
+          <a:xfrm>
+            <a:off x="5655228" y="5056862"/>
+            <a:ext cx="1398298" cy="523220"/>
+          </a:xfrm>
+          <a:prstGeom prst="rect">
+            <a:avLst/>
+          </a:prstGeom>
+          <a:noFill/>
+        </p:spPr>
+        <p:txBody>
+          <a:bodyPr wrap="square" rtlCol="0">
+            <a:spAutoFit/>
+          </a:bodyPr>
+          <a:lstStyle/>
+          <a:p>
+            <a:pPr algn="ctr"/>
+            <a:r>
+              <a:rPr lang="en-US" sz="1400" b="1" dirty="0" smtClean="0"/>
+              <a:t>Black</a:t>
+            </a:r>
+            <a:r>
+              <a:rPr lang="en-US" sz="1400" dirty="0" smtClean="0"/>
+              <a:t>: Low uplift in all models</a:t>
+            </a:r>
+            <a:endParaRPr lang="en-US" sz="1400" dirty="0"/>
+          </a:p>
+        </p:txBody>
+      </p:sp>
+      <p:cxnSp>
+        <p:nvCxnSpPr>
+          <p:cNvPr id="16" name="Straight Arrow Connector 15"/>
+          <p:cNvCxnSpPr/>
+          <p:nvPr/>
+        </p:nvCxnSpPr>
+        <p:spPr>
+          <a:xfrm>
+            <a:off x="4534461" y="1923250"/>
+            <a:ext cx="533722" cy="248611"/>
+          </a:xfrm>
+          <a:prstGeom prst="straightConnector1">
+            <a:avLst/>
+          </a:prstGeom>
+          <a:ln>
+            <a:solidFill>
+              <a:schemeClr val="bg2">
+                <a:lumMod val="75000"/>
+              </a:schemeClr>
+            </a:solidFill>
+            <a:tailEnd type="triangle"/>
+          </a:ln>
+        </p:spPr>
+        <p:style>
+          <a:lnRef idx="3">
+            <a:schemeClr val="accent2"/>
+          </a:lnRef>
+          <a:fillRef idx="0">
+            <a:schemeClr val="accent2"/>
+          </a:fillRef>
+          <a:effectRef idx="2">
+            <a:schemeClr val="accent2"/>
+          </a:effectRef>
+          <a:fontRef idx="minor">
+            <a:schemeClr val="tx1"/>
+          </a:fontRef>
+        </p:style>
+      </p:cxnSp>
+      <p:sp>
+        <p:nvSpPr>
+          <p:cNvPr id="17" name="TextBox 16"/>
+          <p:cNvSpPr txBox="1"/>
+          <p:nvPr/>
+        </p:nvSpPr>
+        <p:spPr>
+          <a:xfrm>
+            <a:off x="3284368" y="1609050"/>
+            <a:ext cx="1513028" cy="523220"/>
+          </a:xfrm>
+          <a:prstGeom prst="rect">
+            <a:avLst/>
+          </a:prstGeom>
+          <a:noFill/>
+        </p:spPr>
+        <p:txBody>
+          <a:bodyPr wrap="square" rtlCol="0">
+            <a:spAutoFit/>
+          </a:bodyPr>
+          <a:lstStyle/>
+          <a:p>
+            <a:pPr algn="ctr"/>
+            <a:r>
+              <a:rPr lang="en-US" sz="1400" b="1" dirty="0" smtClean="0"/>
+              <a:t>White</a:t>
+            </a:r>
+            <a:r>
+              <a:rPr lang="en-US" sz="1400" dirty="0" smtClean="0"/>
+              <a:t>: High uplift in all models</a:t>
+            </a:r>
+            <a:endParaRPr lang="en-US" sz="1400" dirty="0"/>
+          </a:p>
+        </p:txBody>
+      </p:sp>
+      <p:pic>
+        <p:nvPicPr>
+          <p:cNvPr id="1030" name="Picture 6" descr="https://imageprocessing.files.wordpress.com/2008/03/safe-color2.gif?w=500"/>
+          <p:cNvPicPr>
+            <a:picLocks noChangeAspect="1" noChangeArrowheads="1"/>
+          </p:cNvPicPr>
+          <p:nvPr/>
+        </p:nvPicPr>
+        <p:blipFill>
+          <a:blip r:embed="rId4">
+            <a:extLst>
+              <a:ext uri="{28A0092B-C50C-407E-A947-70E740481C1C}">
+                <a14:useLocalDpi xmlns:a14="http://schemas.microsoft.com/office/drawing/2010/main" val="0"/>
+              </a:ext>
+            </a:extLst>
+          </a:blip>
+          <a:srcRect/>
+          <a:stretch>
+            <a:fillRect/>
+          </a:stretch>
+        </p:blipFill>
+        <p:spPr bwMode="auto">
+          <a:xfrm>
+            <a:off x="4544602" y="2171861"/>
+            <a:ext cx="2221252" cy="2005130"/>
+          </a:xfrm>
+          <a:prstGeom prst="rect">
+            <a:avLst/>
+          </a:prstGeom>
+          <a:ln>
+            <a:noFill/>
+          </a:ln>
+          <a:effectLst>
+            <a:outerShdw blurRad="292100" dist="139700" dir="2700000" algn="tl" rotWithShape="0">
+              <a:srgbClr val="333333">
+                <a:alpha val="65000"/>
+              </a:srgbClr>
+            </a:outerShdw>
+          </a:effectLst>
+          <a:extLst>
+            <a:ext uri="{909E8E84-426E-40DD-AFC4-6F175D3DCCD1}">
+              <a14:hiddenFill xmlns:a14="http://schemas.microsoft.com/office/drawing/2010/main">
+                <a:solidFill>
+                  <a:srgbClr val="FFFFFF"/>
+                </a:solidFill>
+              </a14:hiddenFill>
+            </a:ext>
+          </a:extLst>
+        </p:spPr>
+      </p:pic>
+      <p:sp>
+        <p:nvSpPr>
+          <p:cNvPr id="12" name="TextBox 11"/>
+          <p:cNvSpPr txBox="1"/>
+          <p:nvPr/>
+        </p:nvSpPr>
+        <p:spPr>
+          <a:xfrm rot="16200000">
+            <a:off x="5549077" y="3091909"/>
+            <a:ext cx="1159214" cy="550247"/>
+          </a:xfrm>
+          <a:prstGeom prst="rightArrow">
+            <a:avLst/>
+          </a:prstGeom>
+          <a:solidFill>
+            <a:srgbClr val="00B050"/>
+          </a:solidFill>
+        </p:spPr>
+        <p:style>
+          <a:lnRef idx="1">
+            <a:schemeClr val="accent6"/>
+          </a:lnRef>
+          <a:fillRef idx="2">
+            <a:schemeClr val="accent6"/>
+          </a:fillRef>
+          <a:effectRef idx="1">
+            <a:schemeClr val="accent6"/>
+          </a:effectRef>
+          <a:fontRef idx="minor">
+            <a:schemeClr val="dk1"/>
+          </a:fontRef>
+        </p:style>
+        <p:txBody>
+          <a:bodyPr wrap="square" rtlCol="0">
+            <a:spAutoFit/>
+          </a:bodyPr>
+          <a:lstStyle/>
+          <a:p>
+            <a:pPr algn="ctr"/>
+            <a:r>
+              <a:rPr lang="en-US" sz="1200" dirty="0" smtClean="0">
+                <a:solidFill>
+                  <a:schemeClr val="bg1"/>
+                </a:solidFill>
+              </a:rPr>
+              <a:t>High GLM</a:t>
+            </a:r>
+            <a:endParaRPr lang="en-US" sz="1200" dirty="0">
+              <a:solidFill>
+                <a:schemeClr val="bg1"/>
+              </a:solidFill>
+            </a:endParaRPr>
           </a:p>
         </p:txBody>
       </p:sp>
